--- a/generated_presentation.pptx
+++ b/generated_presentation.pptx
@@ -3189,7 +3189,7 @@
           <a:lstStyle/>
           <a:p>
             <a:r>
-              <a:t>Summary of the background: I'm sorry, but the provided context does not contain any information about the ecological significance, methods, or results</a:t>
+              <a:t>Summary of the background: The text provided does not contain information about the ecological significance, methods, or results</a:t>
             </a:r>
           </a:p>
         </p:txBody>
@@ -3249,7 +3249,7 @@
           <a:lstStyle/>
           <a:p>
             <a:r>
-              <a:t>Methods discussed in the paper: </a:t>
+              <a:t>Methods discussed in the paper:  The text is primarily focused on the use and evaluation of different types of statistical charts, including the v-plot</a:t>
             </a:r>
           </a:p>
         </p:txBody>
@@ -3309,7 +3309,7 @@
           <a:lstStyle/>
           <a:p>
             <a:r>
-              <a:t>No results information available.</a:t>
+              <a:t>Key results: </a:t>
             </a:r>
           </a:p>
         </p:txBody>

--- a/generated_presentation.pptx
+++ b/generated_presentation.pptx
@@ -10,6 +10,8 @@
     <p:sldId id="258" r:id="rId9"/>
     <p:sldId id="259" r:id="rId10"/>
     <p:sldId id="260" r:id="rId11"/>
+    <p:sldId id="261" r:id="rId12"/>
+    <p:sldId id="262" r:id="rId13"/>
   </p:sldIdLst>
   <p:sldSz cx="9144000" cy="6858000" type="screen4x3"/>
   <p:notesSz cx="6858000" cy="9144000"/>
@@ -3129,7 +3131,7 @@
           <a:lstStyle/>
           <a:p>
             <a:r>
-              <a:t>Generated presentation based on ecological research</a:t>
+              <a:t>- The study involved the synthesis of ultrathin In4SnS8 nanosheets using a thermal decomposition method, with these sheets exhibiting a thickness of only 3.8 nm. The goal was to explore their potential use in applications such as environmental remediation, solar energy conversion, and advanced optical/electrical nanodevices.</a:t>
             </a:r>
           </a:p>
         </p:txBody>
@@ -3168,7 +3170,7 @@
           <a:lstStyle/>
           <a:p>
             <a:r>
-              <a:t>Ecological Background</a:t>
+              <a:t>Introduction &amp; Context</a:t>
             </a:r>
           </a:p>
         </p:txBody>
@@ -3189,7 +3191,7 @@
           <a:lstStyle/>
           <a:p>
             <a:r>
-              <a:t>Summary of the background: The text provided does not contain information about the ecological significance, methods, or results</a:t>
+              <a:t>- Ecological outcomes aren't explicitly addressed in this excerpt, but the potential application of the nanosheets in environmental remediation implies a beneficial ecological impact.</a:t>
             </a:r>
           </a:p>
         </p:txBody>
@@ -3228,7 +3230,7 @@
           <a:lstStyle/>
           <a:p>
             <a:r>
-              <a:t>Methods</a:t>
+              <a:t>Methods &amp; Study Design</a:t>
             </a:r>
           </a:p>
         </p:txBody>
@@ -3249,7 +3251,7 @@
           <a:lstStyle/>
           <a:p>
             <a:r>
-              <a:t>Methods discussed in the paper:  The text is primarily focused on the use and evaluation of different types of statistical charts, including the v-plot</a:t>
+              <a:t>- The sample size isn't specified in this excerpt, and it's unclear how many times the synthesis process was repeated. Thus, the reliability of the data could be questionable.</a:t>
             </a:r>
           </a:p>
         </p:txBody>
@@ -3288,7 +3290,7 @@
           <a:lstStyle/>
           <a:p>
             <a:r>
-              <a:t>Results</a:t>
+              <a:t>Results &amp; Ecological Outcomes</a:t>
             </a:r>
           </a:p>
         </p:txBody>
@@ -3309,7 +3311,7 @@
           <a:lstStyle/>
           <a:p>
             <a:r>
-              <a:t>Key results: </a:t>
+              <a:t>- The limitations of the study aren't addressed, but a future research direction could involve further exploration of the nanosheets' potential applications. Specifically, research could investigate how the nanosheets perform in environmental remediation, solar energy conversion, and advanced optical/electrical nanodevices.</a:t>
             </a:r>
           </a:p>
         </p:txBody>
@@ -3348,6 +3350,126 @@
           <a:lstStyle/>
           <a:p>
             <a:r>
+              <a:t>Data Reliability &amp; Limitations</a:t>
+            </a:r>
+          </a:p>
+        </p:txBody>
+      </p:sp>
+      <p:sp>
+        <p:nvSpPr>
+          <p:cNvPr id="3" name="Content Placeholder 2"/>
+          <p:cNvSpPr>
+            <a:spLocks noGrp="1"/>
+          </p:cNvSpPr>
+          <p:nvPr>
+            <p:ph idx="1"/>
+          </p:nvPr>
+        </p:nvSpPr>
+        <p:spPr/>
+        <p:txBody>
+          <a:bodyPr/>
+          <a:lstStyle/>
+          <a:p>
+            <a:r>
+              <a:t>Content not available or insufficient data.</a:t>
+            </a:r>
+          </a:p>
+        </p:txBody>
+      </p:sp>
+    </p:spTree>
+  </p:cSld>
+  <p:clrMapOvr>
+    <a:masterClrMapping/>
+  </p:clrMapOvr>
+</p:sld>
+</file>
+
+<file path=ppt/slides/slide6.xml><?xml version="1.0" encoding="utf-8"?>
+<p:sld xmlns:a="http://schemas.openxmlformats.org/drawingml/2006/main" xmlns:p="http://schemas.openxmlformats.org/presentationml/2006/main" xmlns:r="http://schemas.openxmlformats.org/officeDocument/2006/relationships">
+  <p:cSld>
+    <p:spTree>
+      <p:nvGrpSpPr>
+        <p:cNvPr id="1" name=""/>
+        <p:cNvGrpSpPr/>
+        <p:nvPr/>
+      </p:nvGrpSpPr>
+      <p:grpSpPr/>
+      <p:sp>
+        <p:nvSpPr>
+          <p:cNvPr id="2" name="Title 1"/>
+          <p:cNvSpPr>
+            <a:spLocks noGrp="1"/>
+          </p:cNvSpPr>
+          <p:nvPr>
+            <p:ph type="title"/>
+          </p:nvPr>
+        </p:nvSpPr>
+        <p:spPr/>
+        <p:txBody>
+          <a:bodyPr/>
+          <a:lstStyle/>
+          <a:p>
+            <a:r>
+              <a:t>Recommendations &amp; Future Research</a:t>
+            </a:r>
+          </a:p>
+        </p:txBody>
+      </p:sp>
+      <p:sp>
+        <p:nvSpPr>
+          <p:cNvPr id="3" name="Content Placeholder 2"/>
+          <p:cNvSpPr>
+            <a:spLocks noGrp="1"/>
+          </p:cNvSpPr>
+          <p:nvPr>
+            <p:ph idx="1"/>
+          </p:nvPr>
+        </p:nvSpPr>
+        <p:spPr/>
+        <p:txBody>
+          <a:bodyPr/>
+          <a:lstStyle/>
+          <a:p>
+            <a:r>
+              <a:t>Content not available or insufficient data.</a:t>
+            </a:r>
+          </a:p>
+        </p:txBody>
+      </p:sp>
+    </p:spTree>
+  </p:cSld>
+  <p:clrMapOvr>
+    <a:masterClrMapping/>
+  </p:clrMapOvr>
+</p:sld>
+</file>
+
+<file path=ppt/slides/slide7.xml><?xml version="1.0" encoding="utf-8"?>
+<p:sld xmlns:a="http://schemas.openxmlformats.org/drawingml/2006/main" xmlns:p="http://schemas.openxmlformats.org/presentationml/2006/main" xmlns:r="http://schemas.openxmlformats.org/officeDocument/2006/relationships">
+  <p:cSld>
+    <p:spTree>
+      <p:nvGrpSpPr>
+        <p:cNvPr id="1" name=""/>
+        <p:cNvGrpSpPr/>
+        <p:nvPr/>
+      </p:nvGrpSpPr>
+      <p:grpSpPr/>
+      <p:sp>
+        <p:nvSpPr>
+          <p:cNvPr id="2" name="Title 1"/>
+          <p:cNvSpPr>
+            <a:spLocks noGrp="1"/>
+          </p:cNvSpPr>
+          <p:nvPr>
+            <p:ph type="title"/>
+          </p:nvPr>
+        </p:nvSpPr>
+        <p:spPr/>
+        <p:txBody>
+          <a:bodyPr/>
+          <a:lstStyle/>
+          <a:p>
+            <a:r>
               <a:t>Conclusion</a:t>
             </a:r>
           </a:p>
@@ -3369,7 +3491,7 @@
           <a:lstStyle/>
           <a:p>
             <a:r>
-              <a:t>No conclusion available.</a:t>
+              <a:t>Content not available or insufficient data.</a:t>
             </a:r>
           </a:p>
         </p:txBody>

--- a/generated_presentation.pptx
+++ b/generated_presentation.pptx
@@ -3110,7 +3110,7 @@
           <a:lstStyle/>
           <a:p>
             <a:r>
-              <a:t>Title Slide</a:t>
+              <a:t>Introduction to Graphene and 2D Nanomaterials</a:t>
             </a:r>
           </a:p>
         </p:txBody>
@@ -3131,7 +3131,17 @@
           <a:lstStyle/>
           <a:p>
             <a:r>
-              <a:t>- The study involved the synthesis of ultrathin In4SnS8 nanosheets using a thermal decomposition method, with these sheets exhibiting a thickness of only 3.8 nm. The goal was to explore their potential use in applications such as environmental remediation, solar energy conversion, and advanced optical/electrical nanodevices.</a:t>
+              <a:t>- Advances in graphene technology have spurred the synthesis of various 2D nanomaterials.</a:t>
+            </a:r>
+          </a:p>
+          <a:p>
+            <a:r>
+              <a:t>- Transition metal oxides, metal chalcogenides, and organic compounds are key focus areas.</a:t>
+            </a:r>
+          </a:p>
+          <a:p>
+            <a:r>
+              <a:t>- Simple and effective synthetic methods are still being pursued.</a:t>
             </a:r>
           </a:p>
         </p:txBody>
@@ -3170,7 +3180,7 @@
           <a:lstStyle/>
           <a:p>
             <a:r>
-              <a:t>Introduction &amp; Context</a:t>
+              <a:t>Synthesis Methods for 2D Nanomaterials</a:t>
             </a:r>
           </a:p>
         </p:txBody>
@@ -3191,7 +3201,17 @@
           <a:lstStyle/>
           <a:p>
             <a:r>
-              <a:t>- Ecological outcomes aren't explicitly addressed in this excerpt, but the potential application of the nanosheets in environmental remediation implies a beneficial ecological impact.</a:t>
+              <a:t>- Mechanical and liquid-phase exfoliations.</a:t>
+            </a:r>
+          </a:p>
+          <a:p>
+            <a:r>
+              <a:t>- Ion-intercalation and exfoliation.</a:t>
+            </a:r>
+          </a:p>
+          <a:p>
+            <a:r>
+              <a:t>- Chemical vapor deposition (CVD) and solution-phase chemical syntheses.</a:t>
             </a:r>
           </a:p>
         </p:txBody>
@@ -3230,7 +3250,7 @@
           <a:lstStyle/>
           <a:p>
             <a:r>
-              <a:t>Methods &amp; Study Design</a:t>
+              <a:t>Characterization Techniques</a:t>
             </a:r>
           </a:p>
         </p:txBody>
@@ -3251,7 +3271,17 @@
           <a:lstStyle/>
           <a:p>
             <a:r>
-              <a:t>- The sample size isn't specified in this excerpt, and it's unclear how many times the synthesis process was repeated. Thus, the reliability of the data could be questionable.</a:t>
+              <a:t>- Morphology examined using Tecnai G2 F30 S-Twin transmission electron microscope.</a:t>
+            </a:r>
+          </a:p>
+          <a:p>
+            <a:r>
+              <a:t>- X-ray diffraction patterns recorded with Bruker D8 Advance powder X-ray diffractometer.</a:t>
+            </a:r>
+          </a:p>
+          <a:p>
+            <a:r>
+              <a:t>- X-ray photoelectron spectra using PHI 5000 Versaprobe spectrometer.</a:t>
             </a:r>
           </a:p>
         </p:txBody>
@@ -3290,7 +3320,7 @@
           <a:lstStyle/>
           <a:p>
             <a:r>
-              <a:t>Results &amp; Ecological Outcomes</a:t>
+              <a:t>Synthesis of In4SnS8 Nanosheets</a:t>
             </a:r>
           </a:p>
         </p:txBody>
@@ -3311,7 +3341,17 @@
           <a:lstStyle/>
           <a:p>
             <a:r>
-              <a:t>- The limitations of the study aren't addressed, but a future research direction could involve further exploration of the nanosheets' potential applications. Specifically, research could investigate how the nanosheets perform in environmental remediation, solar energy conversion, and advanced optical/electrical nanodevices.</a:t>
+              <a:t>- Synthesized via a thermal decomposition method.</a:t>
+            </a:r>
+          </a:p>
+          <a:p>
+            <a:r>
+              <a:t>- Utilized Sn(DDTC)4 and In(DDTC)3 in OM solvent.</a:t>
+            </a:r>
+          </a:p>
+          <a:p>
+            <a:r>
+              <a:t>- Temperature control and N2 atmosphere critical in synthesis.</a:t>
             </a:r>
           </a:p>
         </p:txBody>
@@ -3350,7 +3390,7 @@
           <a:lstStyle/>
           <a:p>
             <a:r>
-              <a:t>Data Reliability &amp; Limitations</a:t>
+              <a:t>Adsorption and Photocatalysis Applications</a:t>
             </a:r>
           </a:p>
         </p:txBody>
@@ -3371,7 +3411,17 @@
           <a:lstStyle/>
           <a:p>
             <a:r>
-              <a:t>Content not available or insufficient data.</a:t>
+              <a:t>- In4SnS8 nanosheets treated in acetic acid for surface preparation.</a:t>
+            </a:r>
+          </a:p>
+          <a:p>
+            <a:r>
+              <a:t>- Exhibits fast adsorption and photocatalytic dual function.</a:t>
+            </a:r>
+          </a:p>
+          <a:p>
+            <a:r>
+              <a:t>- Effective for organic dye removal in environmental remediation.</a:t>
             </a:r>
           </a:p>
         </p:txBody>
@@ -3410,7 +3460,7 @@
           <a:lstStyle/>
           <a:p>
             <a:r>
-              <a:t>Recommendations &amp; Future Research</a:t>
+              <a:t>Performance and Efficiency</a:t>
             </a:r>
           </a:p>
         </p:txBody>
@@ -3431,7 +3481,17 @@
           <a:lstStyle/>
           <a:p>
             <a:r>
-              <a:t>Content not available or insufficient data.</a:t>
+              <a:t>- High specific surface area of 40.34 m2 g⁻¹.</a:t>
+            </a:r>
+          </a:p>
+          <a:p>
+            <a:r>
+              <a:t>- Superior to flower-like In4SnS8 microspheres with 24.7 m2 g⁻¹.</a:t>
+            </a:r>
+          </a:p>
+          <a:p>
+            <a:r>
+              <a:t>- Large surface area enhances photocatalytic applications.</a:t>
             </a:r>
           </a:p>
         </p:txBody>
@@ -3470,7 +3530,7 @@
           <a:lstStyle/>
           <a:p>
             <a:r>
-              <a:t>Conclusion</a:t>
+              <a:t>Conclusion and Future Prospects</a:t>
             </a:r>
           </a:p>
         </p:txBody>
@@ -3491,7 +3551,17 @@
           <a:lstStyle/>
           <a:p>
             <a:r>
-              <a:t>Content not available or insufficient data.</a:t>
+              <a:t>- In4SnS8 nanosheets hold potential for environmental remediation and solar energy conversion.</a:t>
+            </a:r>
+          </a:p>
+          <a:p>
+            <a:r>
+              <a:t>- Ongoing research focuses on optimizing synthesis methods and improving efficiency.</a:t>
+            </a:r>
+          </a:p>
+          <a:p>
+            <a:r>
+              <a:t>- Potential applications in advanced optical/electric nanodevices.</a:t>
             </a:r>
           </a:p>
         </p:txBody>

--- a/generated_presentation.pptx
+++ b/generated_presentation.pptx
@@ -3110,7 +3110,7 @@
           <a:lstStyle/>
           <a:p>
             <a:r>
-              <a:t>Introduction to Graphene and 2D Nanomaterials</a:t>
+              <a:t>Introduction to In4SnS8 Nanosheets</a:t>
             </a:r>
           </a:p>
         </p:txBody>
@@ -3131,17 +3131,17 @@
           <a:lstStyle/>
           <a:p>
             <a:r>
-              <a:t>- Advances in graphene technology have spurred the synthesis of various 2D nanomaterials.</a:t>
-            </a:r>
-          </a:p>
-          <a:p>
-            <a:r>
-              <a:t>- Transition metal oxides, metal chalcogenides, and organic compounds are key focus areas.</a:t>
-            </a:r>
-          </a:p>
-          <a:p>
-            <a:r>
-              <a:t>- Simple and effective synthetic methods are still being pursued.</a:t>
+              <a:t>- Overview of In4SnS8 nanosheets</a:t>
+            </a:r>
+          </a:p>
+          <a:p>
+            <a:r>
+              <a:t>- Applications in environmental remediation, solar energy conversion, and advanced nanodevices</a:t>
+            </a:r>
+          </a:p>
+          <a:p>
+            <a:r>
+              <a:t>- Importance in nanotechnology and material science</a:t>
             </a:r>
           </a:p>
         </p:txBody>
@@ -3180,7 +3180,7 @@
           <a:lstStyle/>
           <a:p>
             <a:r>
-              <a:t>Synthesis Methods for 2D Nanomaterials</a:t>
+              <a:t>Synthesis of In4SnS8 Nanosheets</a:t>
             </a:r>
           </a:p>
         </p:txBody>
@@ -3201,17 +3201,17 @@
           <a:lstStyle/>
           <a:p>
             <a:r>
-              <a:t>- Mechanical and liquid-phase exfoliations.</a:t>
-            </a:r>
-          </a:p>
-          <a:p>
-            <a:r>
-              <a:t>- Ion-intercalation and exfoliation.</a:t>
-            </a:r>
-          </a:p>
-          <a:p>
-            <a:r>
-              <a:t>- Chemical vapor deposition (CVD) and solution-phase chemical syntheses.</a:t>
+              <a:t>- Synthesized via a thermal decomposition method</a:t>
+            </a:r>
+          </a:p>
+          <a:p>
+            <a:r>
+              <a:t>- Utilizes Sn(DDTC)4 and In(DDTC)3 in oleylamine solvent</a:t>
+            </a:r>
+          </a:p>
+          <a:p>
+            <a:r>
+              <a:t>- Heating process: 120°C under vacuum, followed by 240°C under N2 atmosphere</a:t>
             </a:r>
           </a:p>
         </p:txBody>
@@ -3271,17 +3271,17 @@
           <a:lstStyle/>
           <a:p>
             <a:r>
-              <a:t>- Morphology examined using Tecnai G2 F30 S-Twin transmission electron microscope.</a:t>
-            </a:r>
-          </a:p>
-          <a:p>
-            <a:r>
-              <a:t>- X-ray diffraction patterns recorded with Bruker D8 Advance powder X-ray diffractometer.</a:t>
-            </a:r>
-          </a:p>
-          <a:p>
-            <a:r>
-              <a:t>- X-ray photoelectron spectra using PHI 5000 Versaprobe spectrometer.</a:t>
+              <a:t>- Morphology examined using TEM (Tecnai G2 F30 S-Twin)</a:t>
+            </a:r>
+          </a:p>
+          <a:p>
+            <a:r>
+              <a:t>- XRD patterns for structural analysis (Bruker D8 Advance)</a:t>
+            </a:r>
+          </a:p>
+          <a:p>
+            <a:r>
+              <a:t>- XPS for elemental composition (PHI 5000 Versaprobe)</a:t>
             </a:r>
           </a:p>
         </p:txBody>
@@ -3320,7 +3320,7 @@
           <a:lstStyle/>
           <a:p>
             <a:r>
-              <a:t>Synthesis of In4SnS8 Nanosheets</a:t>
+              <a:t>Properties of In4SnS8 Nanosheets</a:t>
             </a:r>
           </a:p>
         </p:txBody>
@@ -3341,17 +3341,17 @@
           <a:lstStyle/>
           <a:p>
             <a:r>
-              <a:t>- Synthesized via a thermal decomposition method.</a:t>
-            </a:r>
-          </a:p>
-          <a:p>
-            <a:r>
-              <a:t>- Utilized Sn(DDTC)4 and In(DDTC)3 in OM solvent.</a:t>
-            </a:r>
-          </a:p>
-          <a:p>
-            <a:r>
-              <a:t>- Temperature control and N2 atmosphere critical in synthesis.</a:t>
+              <a:t>- Ultrathin nature with an average thickness of 3.8 nm</a:t>
+            </a:r>
+          </a:p>
+          <a:p>
+            <a:r>
+              <a:t>- Comprises five atomically thick layers</a:t>
+            </a:r>
+          </a:p>
+          <a:p>
+            <a:r>
+              <a:t>- Large specific surface area of 40.34 m²/g</a:t>
             </a:r>
           </a:p>
         </p:txBody>
@@ -3390,7 +3390,7 @@
           <a:lstStyle/>
           <a:p>
             <a:r>
-              <a:t>Adsorption and Photocatalysis Applications</a:t>
+              <a:t>Photocatalytic Efficiency</a:t>
             </a:r>
           </a:p>
         </p:txBody>
@@ -3411,17 +3411,17 @@
           <a:lstStyle/>
           <a:p>
             <a:r>
-              <a:t>- In4SnS8 nanosheets treated in acetic acid for surface preparation.</a:t>
-            </a:r>
-          </a:p>
-          <a:p>
-            <a:r>
-              <a:t>- Exhibits fast adsorption and photocatalytic dual function.</a:t>
-            </a:r>
-          </a:p>
-          <a:p>
-            <a:r>
-              <a:t>- Effective for organic dye removal in environmental remediation.</a:t>
+              <a:t>- Fast adsorption-visible-light photocatalysis dual function</a:t>
+            </a:r>
+          </a:p>
+          <a:p>
+            <a:r>
+              <a:t>- Effective for various organic dyes removal</a:t>
+            </a:r>
+          </a:p>
+          <a:p>
+            <a:r>
+              <a:t>- Potential for solar energy conversion and environmental remediation</a:t>
             </a:r>
           </a:p>
         </p:txBody>
@@ -3460,7 +3460,7 @@
           <a:lstStyle/>
           <a:p>
             <a:r>
-              <a:t>Performance and Efficiency</a:t>
+              <a:t>Comparative Analysis</a:t>
             </a:r>
           </a:p>
         </p:txBody>
@@ -3481,17 +3481,12 @@
           <a:lstStyle/>
           <a:p>
             <a:r>
-              <a:t>- High specific surface area of 40.34 m2 g⁻¹.</a:t>
-            </a:r>
-          </a:p>
-          <a:p>
-            <a:r>
-              <a:t>- Superior to flower-like In4SnS8 microspheres with 24.7 m2 g⁻¹.</a:t>
-            </a:r>
-          </a:p>
-          <a:p>
-            <a:r>
-              <a:t>- Large surface area enhances photocatalytic applications.</a:t>
+              <a:t>- Higher efficiency compared to other structures like In4SnS8 microspheres</a:t>
+            </a:r>
+          </a:p>
+          <a:p>
+            <a:r>
+              <a:t>- Specific surface area significantly larger than flower-like microspheres (24.7 m²/g)</a:t>
             </a:r>
           </a:p>
         </p:txBody>
@@ -3530,7 +3525,7 @@
           <a:lstStyle/>
           <a:p>
             <a:r>
-              <a:t>Conclusion and Future Prospects</a:t>
+              <a:t>Conclusion and Future Directions</a:t>
             </a:r>
           </a:p>
         </p:txBody>
@@ -3551,17 +3546,17 @@
           <a:lstStyle/>
           <a:p>
             <a:r>
-              <a:t>- In4SnS8 nanosheets hold potential for environmental remediation and solar energy conversion.</a:t>
-            </a:r>
-          </a:p>
-          <a:p>
-            <a:r>
-              <a:t>- Ongoing research focuses on optimizing synthesis methods and improving efficiency.</a:t>
-            </a:r>
-          </a:p>
-          <a:p>
-            <a:r>
-              <a:t>- Potential applications in advanced optical/electric nanodevices.</a:t>
+              <a:t>- Promising advances in 2D nanomaterials</a:t>
+            </a:r>
+          </a:p>
+          <a:p>
+            <a:r>
+              <a:t>- Potential applications in environmental and energy sectors</a:t>
+            </a:r>
+          </a:p>
+          <a:p>
+            <a:r>
+              <a:t>- Continued research to optimize synthesis and application methods</a:t>
             </a:r>
           </a:p>
         </p:txBody>

--- a/generated_presentation.pptx
+++ b/generated_presentation.pptx
@@ -4079,7 +4079,7 @@
               </a:defRPr>
             </a:pPr>
             <a:r>
-              <a:t>Importance of disseminating and replicating LIFE project actions across Europe.</a:t>
+              <a:t>Importance of Mediterranean salt pans.</a:t>
             </a:r>
           </a:p>
           <a:p>
@@ -4091,7 +4091,7 @@
               </a:defRPr>
             </a:pPr>
             <a:r>
-              <a:t>Focus on Mediterranean salt pans and coastal wetlands conservation.</a:t>
+              <a:t>Key role in conserving coastal wetlands.</a:t>
             </a:r>
           </a:p>
           <a:p>
@@ -4103,7 +4103,7 @@
               </a:defRPr>
             </a:pPr>
             <a:r>
-              <a:t>LIFE-Salinas Project as a case study for replicable conservation actions.</a:t>
+              <a:t>Objective: Enhance ecological restoration methods for coastal wetlands.</a:t>
             </a:r>
           </a:p>
         </p:txBody>
@@ -4171,7 +4171,7 @@
               </a:defRPr>
             </a:pPr>
             <a:r>
-              <a:t>Transferable and replicable methodology focused on nature conservation.</a:t>
+              <a:t>Replicable nature conservation actions.</a:t>
             </a:r>
           </a:p>
           <a:p>
@@ -4183,7 +4183,7 @@
               </a:defRPr>
             </a:pPr>
             <a:r>
-              <a:t>Optimal for Mediterranean coastal areas, notably those in the Natura 2000 network.</a:t>
+              <a:t>Focus on Mediterranean area, optimal in coastal places with dune systems.</a:t>
             </a:r>
           </a:p>
           <a:p>
@@ -4195,7 +4195,7 @@
               </a:defRPr>
             </a:pPr>
             <a:r>
-              <a:t>Utilization of spatial databases for unified variable analysis.</a:t>
+              <a:t>Use of spatial databases for analyzing replicability.</a:t>
             </a:r>
           </a:p>
         </p:txBody>
@@ -4263,7 +4263,7 @@
               </a:defRPr>
             </a:pPr>
             <a:r>
-              <a:t>Repair of hillocks with salt substrate to enhance salt production and seabird habitats.</a:t>
+              <a:t>Repair of hillocks with salt substrate.</a:t>
             </a:r>
           </a:p>
           <a:p>
@@ -4275,7 +4275,7 @@
               </a:defRPr>
             </a:pPr>
             <a:r>
-              <a:t>Collaborative efforts with environmental organizations and NGOs.</a:t>
+              <a:t>Enhances salt production.</a:t>
             </a:r>
           </a:p>
           <a:p>
@@ -4287,7 +4287,7 @@
               </a:defRPr>
             </a:pPr>
             <a:r>
-              <a:t>Biodiversity assessments for improving species populations and habitat maintenance.</a:t>
+              <a:t>Improves seabird habitats.</a:t>
             </a:r>
           </a:p>
         </p:txBody>
@@ -4326,7 +4326,7 @@
           <a:lstStyle/>
           <a:p>
             <a:r>
-              <a:t>Results</a:t>
+              <a:t>Collaborative Approaches</a:t>
             </a:r>
           </a:p>
         </p:txBody>
@@ -4355,7 +4355,7 @@
               </a:defRPr>
             </a:pPr>
             <a:r>
-              <a:t>Successful implementation and replication potential in similar environmental settings.</a:t>
+              <a:t>Involvement of multiple agents and actors.</a:t>
             </a:r>
           </a:p>
           <a:p>
@@ -4367,7 +4367,7 @@
               </a:defRPr>
             </a:pPr>
             <a:r>
-              <a:t>Enhanced ecological restoration techniques for degraded coastal wetlands.</a:t>
+              <a:t>Sharing knowledge through diverse case studies.</a:t>
             </a:r>
           </a:p>
           <a:p>
@@ -4379,7 +4379,7 @@
               </a:defRPr>
             </a:pPr>
             <a:r>
-              <a:t>Improved genetic diversity and distribution of endemic and endangered species.</a:t>
+              <a:t>Promoting ecosystem-based management.</a:t>
             </a:r>
           </a:p>
         </p:txBody>
@@ -4418,7 +4418,7 @@
           <a:lstStyle/>
           <a:p>
             <a:r>
-              <a:t>Conclusions</a:t>
+              <a:t>Conclusion</a:t>
             </a:r>
           </a:p>
         </p:txBody>
@@ -4447,7 +4447,7 @@
               </a:defRPr>
             </a:pPr>
             <a:r>
-              <a:t>The LIFE-Salinas Project actions are replicable across the Mediterranean's Natura 2000 sites.</a:t>
+              <a:t>LIFE projects facilitate European-level dissemination and replication.</a:t>
             </a:r>
           </a:p>
           <a:p>
@@ -4459,7 +4459,7 @@
               </a:defRPr>
             </a:pPr>
             <a:r>
-              <a:t>Critical for the conservation of coastal wetlands and biodiversity.</a:t>
+              <a:t>Maintaining salt pan activity crucial for coastal wetland conservation.</a:t>
             </a:r>
           </a:p>
           <a:p>
@@ -4471,7 +4471,7 @@
               </a:defRPr>
             </a:pPr>
             <a:r>
-              <a:t>Importance of collaboration and knowledge sharing for effective ecological management.</a:t>
+              <a:t>Recommendations for future ecological restoration initiatives.</a:t>
             </a:r>
           </a:p>
         </p:txBody>
@@ -4539,31 +4539,7 @@
               </a:defRPr>
             </a:pPr>
             <a:r>
-              <a:t>- LIFE-Salinas Project documentation.</a:t>
-            </a:r>
-          </a:p>
-          <a:p>
-            <a:pPr algn="l">
-              <a:defRPr sz="1600">
-                <a:solidFill>
-                  <a:srgbClr val="505050"/>
-                </a:solidFill>
-              </a:defRPr>
-            </a:pPr>
-            <a:r>
-              <a:t>- Collaboration details with environmental organizations and NGOs.</a:t>
-            </a:r>
-          </a:p>
-          <a:p>
-            <a:pPr algn="l">
-              <a:defRPr sz="1600">
-                <a:solidFill>
-                  <a:srgbClr val="505050"/>
-                </a:solidFill>
-              </a:defRPr>
-            </a:pPr>
-            <a:r>
-              <a:t>- Relevant European ecological regulations and standards.</a:t>
+              <a:t>- No references available.</a:t>
             </a:r>
           </a:p>
         </p:txBody>
@@ -4623,7 +4599,7 @@
           <a:lstStyle/>
           <a:p>
             <a:r>
-              <a:t>- Thank you for your attention!</a:t>
+              <a:t>Thank you for your attention!</a:t>
             </a:r>
           </a:p>
         </p:txBody>
